--- a/Ukulelaser.pptx
+++ b/Ukulelaser.pptx
@@ -217,7 +217,7 @@
             <a:fld id="{207F23D9-DF40-4811-9C78-A2E2A32398DD}" type="datetimeFigureOut">
               <a:rPr lang="ko-KR" altLang="en-US" smtClean="0"/>
               <a:pPr/>
-              <a:t>2016-12-07</a:t>
+              <a:t>2016-12-08</a:t>
             </a:fld>
             <a:endParaRPr lang="ko-KR" altLang="en-US"/>
           </a:p>
@@ -384,7 +384,7 @@
             <a:fld id="{F3AF6795-A612-454E-AF7A-9192B1BEBB13}" type="datetimeFigureOut">
               <a:rPr lang="ko-KR" altLang="en-US" smtClean="0"/>
               <a:pPr/>
-              <a:t>2016-12-07</a:t>
+              <a:t>2016-12-08</a:t>
             </a:fld>
             <a:endParaRPr lang="ko-KR" altLang="en-US"/>
           </a:p>
@@ -1914,7 +1914,7 @@
             <a:fld id="{8761FD00-3F21-42CF-9EF5-8F6D81CE3AFD}" type="datetimeFigureOut">
               <a:rPr lang="ko-KR" altLang="en-US" smtClean="0"/>
               <a:pPr/>
-              <a:t>2016-12-07</a:t>
+              <a:t>2016-12-08</a:t>
             </a:fld>
             <a:endParaRPr lang="ko-KR" altLang="en-US"/>
           </a:p>
@@ -2660,7 +2660,7 @@
             <a:fld id="{8761FD00-3F21-42CF-9EF5-8F6D81CE3AFD}" type="datetimeFigureOut">
               <a:rPr lang="ko-KR" altLang="en-US" smtClean="0"/>
               <a:pPr/>
-              <a:t>2016-12-07</a:t>
+              <a:t>2016-12-08</a:t>
             </a:fld>
             <a:endParaRPr lang="ko-KR" altLang="en-US"/>
           </a:p>
@@ -2973,7 +2973,7 @@
             <a:fld id="{8761FD00-3F21-42CF-9EF5-8F6D81CE3AFD}" type="datetimeFigureOut">
               <a:rPr lang="ko-KR" altLang="en-US" smtClean="0"/>
               <a:pPr/>
-              <a:t>2016-12-07</a:t>
+              <a:t>2016-12-08</a:t>
             </a:fld>
             <a:endParaRPr lang="ko-KR" altLang="en-US"/>
           </a:p>
@@ -3228,7 +3228,7 @@
             <a:fld id="{8761FD00-3F21-42CF-9EF5-8F6D81CE3AFD}" type="datetimeFigureOut">
               <a:rPr lang="ko-KR" altLang="en-US" smtClean="0"/>
               <a:pPr/>
-              <a:t>2016-12-07</a:t>
+              <a:t>2016-12-08</a:t>
             </a:fld>
             <a:endParaRPr lang="ko-KR" altLang="en-US"/>
           </a:p>
@@ -3454,7 +3454,7 @@
             <a:fld id="{8761FD00-3F21-42CF-9EF5-8F6D81CE3AFD}" type="datetimeFigureOut">
               <a:rPr lang="ko-KR" altLang="en-US" smtClean="0"/>
               <a:pPr/>
-              <a:t>2016-12-07</a:t>
+              <a:t>2016-12-08</a:t>
             </a:fld>
             <a:endParaRPr lang="ko-KR" altLang="en-US"/>
           </a:p>
@@ -3680,7 +3680,7 @@
             <a:fld id="{8761FD00-3F21-42CF-9EF5-8F6D81CE3AFD}" type="datetimeFigureOut">
               <a:rPr lang="ko-KR" altLang="en-US" smtClean="0"/>
               <a:pPr/>
-              <a:t>2016-12-07</a:t>
+              <a:t>2016-12-08</a:t>
             </a:fld>
             <a:endParaRPr lang="ko-KR" altLang="en-US"/>
           </a:p>
@@ -4678,20 +4678,7 @@
                 <a:latin typeface="나눔고딕" panose="020B0600000101010101" charset="-127"/>
                 <a:ea typeface="나눔고딕" panose="020B0600000101010101" charset="-127"/>
               </a:rPr>
-              <a:t>주제 및 </a:t>
-            </a:r>
-            <a:r>
-              <a:rPr lang="ko-KR" altLang="en-US" sz="2400" spc="-50" dirty="0" smtClean="0">
-                <a:solidFill>
-                  <a:schemeClr val="tx1">
-                    <a:lumMod val="75000"/>
-                    <a:lumOff val="25000"/>
-                  </a:schemeClr>
-                </a:solidFill>
-                <a:latin typeface="나눔고딕" panose="020B0600000101010101" charset="-127"/>
-                <a:ea typeface="나눔고딕" panose="020B0600000101010101" charset="-127"/>
-              </a:rPr>
-              <a:t>목표</a:t>
+              <a:t>주제 및 목표</a:t>
             </a:r>
             <a:endParaRPr lang="en-US" altLang="ko-KR" sz="2400" spc="-50" dirty="0" smtClean="0">
               <a:solidFill>
@@ -4787,20 +4774,7 @@
                 <a:latin typeface="나눔고딕" pitchFamily="50" charset="-127"/>
                 <a:ea typeface="나눔고딕" pitchFamily="50" charset="-127"/>
               </a:rPr>
-              <a:t>시연 </a:t>
-            </a:r>
-            <a:r>
-              <a:rPr lang="ko-KR" altLang="en-US" sz="2400" spc="-50" dirty="0" smtClean="0">
-                <a:solidFill>
-                  <a:schemeClr val="tx1">
-                    <a:lumMod val="75000"/>
-                    <a:lumOff val="25000"/>
-                  </a:schemeClr>
-                </a:solidFill>
-                <a:latin typeface="나눔고딕" pitchFamily="50" charset="-127"/>
-                <a:ea typeface="나눔고딕" pitchFamily="50" charset="-127"/>
-              </a:rPr>
-              <a:t>영상</a:t>
+              <a:t>시연 영상</a:t>
             </a:r>
             <a:endParaRPr lang="en-US" altLang="ko-KR" sz="2400" spc="-50" dirty="0">
               <a:solidFill>
@@ -4832,20 +4806,7 @@
                 <a:latin typeface="나눔고딕" pitchFamily="50" charset="-127"/>
                 <a:ea typeface="나눔고딕" pitchFamily="50" charset="-127"/>
               </a:rPr>
-              <a:t>시</a:t>
-            </a:r>
-            <a:r>
-              <a:rPr lang="ko-KR" altLang="en-US" sz="2400" spc="-50" dirty="0" smtClean="0">
-                <a:solidFill>
-                  <a:schemeClr val="tx1">
-                    <a:lumMod val="75000"/>
-                    <a:lumOff val="25000"/>
-                  </a:schemeClr>
-                </a:solidFill>
-                <a:latin typeface="나눔고딕" pitchFamily="50" charset="-127"/>
-                <a:ea typeface="나눔고딕" pitchFamily="50" charset="-127"/>
-              </a:rPr>
-              <a:t>연</a:t>
+              <a:t>시연</a:t>
             </a:r>
             <a:endParaRPr lang="en-US" altLang="ko-KR" sz="2400" spc="-50" dirty="0" smtClean="0">
               <a:solidFill>
@@ -6260,9 +6221,9 @@
       </p:sp>
       <p:pic>
         <p:nvPicPr>
-          <p:cNvPr id="2049" name="_x209537920" descr="EMB00001da065ed"/>
+          <p:cNvPr id="2" name="그림 1"/>
           <p:cNvPicPr>
-            <a:picLocks noChangeAspect="1" noChangeArrowheads="1"/>
+            <a:picLocks noChangeAspect="1"/>
           </p:cNvPicPr>
           <p:nvPr/>
         </p:nvPicPr>
@@ -6274,31 +6235,86 @@
               </a:ext>
             </a:extLst>
           </a:blip>
-          <a:srcRect/>
           <a:stretch>
             <a:fillRect/>
           </a:stretch>
         </p:blipFill>
-        <p:spPr bwMode="auto">
+        <p:spPr>
           <a:xfrm>
-            <a:off x="643196" y="1733238"/>
-            <a:ext cx="7845362" cy="4386208"/>
+            <a:off x="647205" y="1607203"/>
+            <a:ext cx="7849590" cy="4393870"/>
           </a:xfrm>
           <a:prstGeom prst="rect">
             <a:avLst/>
           </a:prstGeom>
-          <a:noFill/>
-          <a:extLst>
-            <a:ext uri="{909E8E84-426E-40DD-AFC4-6F175D3DCCD1}">
-              <a14:hiddenFill xmlns:a14="http://schemas.microsoft.com/office/drawing/2010/main">
-                <a:solidFill>
-                  <a:srgbClr val="FFFFFF"/>
-                </a:solidFill>
-              </a14:hiddenFill>
-            </a:ext>
-          </a:extLst>
         </p:spPr>
       </p:pic>
+      <p:cxnSp>
+        <p:nvCxnSpPr>
+          <p:cNvPr id="4" name="직선 화살표 연결선 3"/>
+          <p:cNvCxnSpPr/>
+          <p:nvPr/>
+        </p:nvCxnSpPr>
+        <p:spPr>
+          <a:xfrm flipH="1">
+            <a:off x="2813538" y="2063262"/>
+            <a:ext cx="656493" cy="0"/>
+          </a:xfrm>
+          <a:prstGeom prst="straightConnector1">
+            <a:avLst/>
+          </a:prstGeom>
+          <a:ln>
+            <a:tailEnd type="arrow"/>
+          </a:ln>
+        </p:spPr>
+        <p:style>
+          <a:lnRef idx="1">
+            <a:schemeClr val="accent1"/>
+          </a:lnRef>
+          <a:fillRef idx="0">
+            <a:schemeClr val="accent1"/>
+          </a:fillRef>
+          <a:effectRef idx="0">
+            <a:schemeClr val="accent1"/>
+          </a:effectRef>
+          <a:fontRef idx="minor">
+            <a:schemeClr val="tx1"/>
+          </a:fontRef>
+        </p:style>
+      </p:cxnSp>
+      <p:cxnSp>
+        <p:nvCxnSpPr>
+          <p:cNvPr id="9" name="직선 화살표 연결선 8"/>
+          <p:cNvCxnSpPr/>
+          <p:nvPr/>
+        </p:nvCxnSpPr>
+        <p:spPr>
+          <a:xfrm flipH="1" flipV="1">
+            <a:off x="2813538" y="2063262"/>
+            <a:ext cx="656493" cy="1184031"/>
+          </a:xfrm>
+          <a:prstGeom prst="straightConnector1">
+            <a:avLst/>
+          </a:prstGeom>
+          <a:ln>
+            <a:tailEnd type="arrow"/>
+          </a:ln>
+        </p:spPr>
+        <p:style>
+          <a:lnRef idx="1">
+            <a:schemeClr val="accent1"/>
+          </a:lnRef>
+          <a:fillRef idx="0">
+            <a:schemeClr val="accent1"/>
+          </a:fillRef>
+          <a:effectRef idx="0">
+            <a:schemeClr val="accent1"/>
+          </a:effectRef>
+          <a:fontRef idx="minor">
+            <a:schemeClr val="tx1"/>
+          </a:fontRef>
+        </p:style>
+      </p:cxnSp>
     </p:spTree>
     <p:extLst>
       <p:ext uri="{BB962C8B-B14F-4D97-AF65-F5344CB8AC3E}">
@@ -6739,17 +6755,7 @@
                   </a:schemeClr>
                 </a:solidFill>
               </a:rPr>
-              <a:t>조도센서 </a:t>
-            </a:r>
-            <a:r>
-              <a:rPr lang="ko-KR" altLang="en-US" sz="4000" b="1" spc="-150" dirty="0" smtClean="0">
-                <a:solidFill>
-                  <a:schemeClr val="accent4">
-                    <a:lumMod val="50000"/>
-                  </a:schemeClr>
-                </a:solidFill>
-              </a:rPr>
-              <a:t>시</a:t>
+              <a:t>조도센서 시</a:t>
             </a:r>
             <a:r>
               <a:rPr lang="ko-KR" altLang="en-US" sz="4000" b="1" spc="-150" dirty="0">
